--- a/muri_mtg/muri_poster.pptx
+++ b/muri_mtg/muri_poster.pptx
@@ -256,7 +256,7 @@
             <a:fld id="{0158C5BC-9A70-462C-B28D-9600239EAC64}" type="datetimeFigureOut">
               <a:rPr lang="en-US" smtClean="0"/>
               <a:pPr/>
-              <a:t>12/8/17</a:t>
+              <a:t>12/9/17</a:t>
             </a:fld>
             <a:endParaRPr lang="en-US"/>
           </a:p>
@@ -423,7 +423,7 @@
             <a:fld id="{E6CC2317-6751-4CD4-9995-8782DD78E936}" type="datetimeFigureOut">
               <a:rPr lang="en-US" smtClean="0"/>
               <a:pPr/>
-              <a:t>12/8/17</a:t>
+              <a:t>12/9/17</a:t>
             </a:fld>
             <a:endParaRPr lang="en-US" dirty="0"/>
           </a:p>
@@ -6384,7 +6384,7 @@
               <a:graphicData uri="http://schemas.openxmlformats.org/presentationml/2006/ole">
                 <mc:AlternateContent xmlns:mc="http://schemas.openxmlformats.org/markup-compatibility/2006">
                   <mc:Choice xmlns:v="urn:schemas-microsoft-com:vml" Requires="v">
-                    <p:oleObj spid="_x0000_s1237" name="Image" r:id="rId9" imgW="1828440" imgH="1117440" progId="Photoshop.Image.13">
+                    <p:oleObj spid="_x0000_s1274" name="Image" r:id="rId9" imgW="1828440" imgH="1117440" progId="Photoshop.Image.13">
                       <p:embed/>
                     </p:oleObj>
                   </mc:Choice>
@@ -6441,7 +6441,7 @@
               <a:graphicData uri="http://schemas.openxmlformats.org/presentationml/2006/ole">
                 <mc:AlternateContent xmlns:mc="http://schemas.openxmlformats.org/markup-compatibility/2006">
                   <mc:Choice xmlns:v="urn:schemas-microsoft-com:vml" Requires="v">
-                    <p:oleObj spid="_x0000_s1238" name="Image" r:id="rId11" imgW="1828440" imgH="1117440" progId="Photoshop.Image.13">
+                    <p:oleObj spid="_x0000_s1275" name="Image" r:id="rId11" imgW="1828440" imgH="1117440" progId="Photoshop.Image.13">
                       <p:embed/>
                     </p:oleObj>
                   </mc:Choice>
@@ -7581,7 +7581,7 @@
             <a:graphicData uri="http://schemas.openxmlformats.org/presentationml/2006/ole">
               <mc:AlternateContent xmlns:mc="http://schemas.openxmlformats.org/markup-compatibility/2006">
                 <mc:Choice xmlns:v="urn:schemas-microsoft-com:vml" Requires="v">
-                  <p:oleObj spid="_x0000_s1239" name="Image" r:id="rId13" imgW="4571280" imgH="1688760" progId="Photoshop.Image.13">
+                  <p:oleObj spid="_x0000_s1276" name="Image" r:id="rId13" imgW="4571280" imgH="1688760" progId="Photoshop.Image.13">
                     <p:embed/>
                   </p:oleObj>
                 </mc:Choice>
@@ -7665,7 +7665,7 @@
             <a:graphicData uri="http://schemas.openxmlformats.org/presentationml/2006/ole">
               <mc:AlternateContent xmlns:mc="http://schemas.openxmlformats.org/markup-compatibility/2006">
                 <mc:Choice xmlns:v="urn:schemas-microsoft-com:vml" Requires="v">
-                  <p:oleObj spid="_x0000_s1240" name="Image" r:id="rId16" imgW="1574280" imgH="1053720" progId="Photoshop.Image.13">
+                  <p:oleObj spid="_x0000_s1277" name="Image" r:id="rId16" imgW="1574280" imgH="1053720" progId="Photoshop.Image.13">
                     <p:embed/>
                   </p:oleObj>
                 </mc:Choice>
@@ -9741,7 +9741,7 @@
               <a:graphicData uri="http://schemas.openxmlformats.org/presentationml/2006/ole">
                 <mc:AlternateContent xmlns:mc="http://schemas.openxmlformats.org/markup-compatibility/2006">
                   <mc:Choice xmlns:v="urn:schemas-microsoft-com:vml" Requires="v">
-                    <p:oleObj spid="_x0000_s2257" name="Image" r:id="rId10" imgW="1828440" imgH="1117440" progId="Photoshop.Image.13">
+                    <p:oleObj spid="_x0000_s2294" name="Image" r:id="rId10" imgW="1828440" imgH="1117440" progId="Photoshop.Image.13">
                       <p:embed/>
                     </p:oleObj>
                   </mc:Choice>
@@ -9798,7 +9798,7 @@
               <a:graphicData uri="http://schemas.openxmlformats.org/presentationml/2006/ole">
                 <mc:AlternateContent xmlns:mc="http://schemas.openxmlformats.org/markup-compatibility/2006">
                   <mc:Choice xmlns:v="urn:schemas-microsoft-com:vml" Requires="v">
-                    <p:oleObj spid="_x0000_s2258" name="Image" r:id="rId12" imgW="1828440" imgH="1117440" progId="Photoshop.Image.13">
+                    <p:oleObj spid="_x0000_s2295" name="Image" r:id="rId12" imgW="1828440" imgH="1117440" progId="Photoshop.Image.13">
                       <p:embed/>
                     </p:oleObj>
                   </mc:Choice>
@@ -10938,7 +10938,7 @@
             <a:graphicData uri="http://schemas.openxmlformats.org/presentationml/2006/ole">
               <mc:AlternateContent xmlns:mc="http://schemas.openxmlformats.org/markup-compatibility/2006">
                 <mc:Choice xmlns:v="urn:schemas-microsoft-com:vml" Requires="v">
-                  <p:oleObj spid="_x0000_s2259" name="Image" r:id="rId14" imgW="4571280" imgH="1688760" progId="Photoshop.Image.13">
+                  <p:oleObj spid="_x0000_s2296" name="Image" r:id="rId14" imgW="4571280" imgH="1688760" progId="Photoshop.Image.13">
                     <p:embed/>
                   </p:oleObj>
                 </mc:Choice>
@@ -11022,7 +11022,7 @@
             <a:graphicData uri="http://schemas.openxmlformats.org/presentationml/2006/ole">
               <mc:AlternateContent xmlns:mc="http://schemas.openxmlformats.org/markup-compatibility/2006">
                 <mc:Choice xmlns:v="urn:schemas-microsoft-com:vml" Requires="v">
-                  <p:oleObj spid="_x0000_s2260" name="Image" r:id="rId17" imgW="1574280" imgH="1053720" progId="Photoshop.Image.13">
+                  <p:oleObj spid="_x0000_s2297" name="Image" r:id="rId17" imgW="1574280" imgH="1053720" progId="Photoshop.Image.13">
                     <p:embed/>
                   </p:oleObj>
                 </mc:Choice>
@@ -11790,8 +11790,8 @@
         </p:nvSpPr>
         <p:spPr>
           <a:xfrm>
-            <a:off x="-1" y="5351232"/>
-            <a:ext cx="30275213" cy="37219168"/>
+            <a:off x="-1" y="5575348"/>
+            <a:ext cx="30275214" cy="36995052"/>
           </a:xfrm>
           <a:prstGeom prst="rect">
             <a:avLst/>
@@ -12499,15 +12499,7 @@
                 <a:ea typeface="Tahoma" charset="0"/>
                 <a:cs typeface="Tahoma" charset="0"/>
               </a:rPr>
-              <a:t>, vol. 44, no. 6, pp. 2124-2147, 1998</a:t>
-            </a:r>
-            <a:r>
-              <a:rPr lang="en-US" sz="2400" dirty="0" smtClean="0">
-                <a:latin typeface="Tahoma" charset="0"/>
-                <a:ea typeface="Tahoma" charset="0"/>
-                <a:cs typeface="Tahoma" charset="0"/>
-              </a:rPr>
-              <a:t>.</a:t>
+              <a:t>, vol. 44, no. 6, pp. 2124-2147, 1998.</a:t>
             </a:r>
           </a:p>
           <a:p>
@@ -14697,8 +14689,8 @@
         </p:nvSpPr>
         <p:spPr>
           <a:xfrm>
-            <a:off x="15365427" y="27278184"/>
-            <a:ext cx="14393109" cy="15292216"/>
+            <a:off x="15365427" y="27049584"/>
+            <a:ext cx="14393109" cy="15520816"/>
           </a:xfrm>
           <a:prstGeom prst="rect">
             <a:avLst/>
@@ -15369,8 +15361,8 @@
           </a:extLst>
         </p:spPr>
       </p:pic>
-      <mc:AlternateContent xmlns:mc="http://schemas.openxmlformats.org/markup-compatibility/2006">
-        <mc:Choice xmlns:a14="http://schemas.microsoft.com/office/drawing/2010/main" Requires="a14">
+      <mc:AlternateContent xmlns:mc="http://schemas.openxmlformats.org/markup-compatibility/2006" xmlns:a14="http://schemas.microsoft.com/office/drawing/2010/main">
+        <mc:Choice Requires="a14">
           <p:sp>
             <p:nvSpPr>
               <p:cNvPr id="164" name="TextBox 163"/>
@@ -15509,7 +15501,7 @@
             </p:txBody>
           </p:sp>
         </mc:Choice>
-        <mc:Fallback>
+        <mc:Fallback xmlns="">
           <p:sp>
             <p:nvSpPr>
               <p:cNvPr id="164" name="TextBox 163"/>
@@ -15589,8 +15581,8 @@
           </a:extLst>
         </p:spPr>
       </p:pic>
-      <mc:AlternateContent xmlns:mc="http://schemas.openxmlformats.org/markup-compatibility/2006">
-        <mc:Choice xmlns:a14="http://schemas.microsoft.com/office/drawing/2010/main" Requires="a14">
+      <mc:AlternateContent xmlns:mc="http://schemas.openxmlformats.org/markup-compatibility/2006" xmlns:a14="http://schemas.microsoft.com/office/drawing/2010/main">
+        <mc:Choice Requires="a14">
           <p:sp>
             <p:nvSpPr>
               <p:cNvPr id="166" name="TextBox 165"/>
@@ -15784,7 +15776,7 @@
             </p:txBody>
           </p:sp>
         </mc:Choice>
-        <mc:Fallback>
+        <mc:Fallback xmlns="">
           <p:sp>
             <p:nvSpPr>
               <p:cNvPr id="166" name="TextBox 165"/>
@@ -15864,8 +15856,8 @@
           </a:extLst>
         </p:spPr>
       </p:pic>
-      <mc:AlternateContent xmlns:mc="http://schemas.openxmlformats.org/markup-compatibility/2006">
-        <mc:Choice xmlns:a14="http://schemas.microsoft.com/office/drawing/2010/main" Requires="a14">
+      <mc:AlternateContent xmlns:mc="http://schemas.openxmlformats.org/markup-compatibility/2006" xmlns:a14="http://schemas.microsoft.com/office/drawing/2010/main">
+        <mc:Choice Requires="a14">
           <p:sp>
             <p:nvSpPr>
               <p:cNvPr id="170" name="TextBox 169"/>
@@ -15967,7 +15959,7 @@
             </p:txBody>
           </p:sp>
         </mc:Choice>
-        <mc:Fallback>
+        <mc:Fallback xmlns="">
           <p:sp>
             <p:nvSpPr>
               <p:cNvPr id="170" name="TextBox 169"/>
@@ -16143,7 +16135,7 @@
         </p:nvSpPr>
         <p:spPr>
           <a:xfrm>
-            <a:off x="15461983" y="27278184"/>
+            <a:off x="15461983" y="27049584"/>
             <a:ext cx="14393109" cy="1015663"/>
           </a:xfrm>
           <a:prstGeom prst="rect">
@@ -16164,15 +16156,7 @@
                 <a:ea typeface="Tahoma" charset="0"/>
                 <a:cs typeface="Tahoma" charset="0"/>
               </a:rPr>
-              <a:t>Time-Varying </a:t>
-            </a:r>
-            <a:r>
-              <a:rPr lang="en-US" sz="6000" b="1" dirty="0" smtClean="0">
-                <a:latin typeface="Tahoma" charset="0"/>
-                <a:ea typeface="Tahoma" charset="0"/>
-                <a:cs typeface="Tahoma" charset="0"/>
-              </a:rPr>
-              <a:t>Scenario</a:t>
+              <a:t>Time-Varying Scenario</a:t>
             </a:r>
             <a:endParaRPr lang="en-US" sz="6000" b="1" dirty="0">
               <a:latin typeface="Tahoma" charset="0"/>
@@ -16182,8 +16166,8 @@
           </a:p>
         </p:txBody>
       </p:sp>
-      <mc:AlternateContent xmlns:mc="http://schemas.openxmlformats.org/markup-compatibility/2006">
-        <mc:Choice xmlns:a14="http://schemas.microsoft.com/office/drawing/2010/main" Requires="a14">
+      <mc:AlternateContent xmlns:mc="http://schemas.openxmlformats.org/markup-compatibility/2006" xmlns:a14="http://schemas.microsoft.com/office/drawing/2010/main">
+        <mc:Choice Requires="a14">
           <p:sp>
             <p:nvSpPr>
               <p:cNvPr id="182" name="TextBox 181"/>
@@ -16192,7 +16176,7 @@
             </p:nvSpPr>
             <p:spPr>
               <a:xfrm>
-                <a:off x="15365426" y="28216174"/>
+                <a:off x="15365426" y="27987574"/>
                 <a:ext cx="14354768" cy="2631490"/>
               </a:xfrm>
               <a:prstGeom prst="rect">
@@ -16295,16 +16279,11 @@
                   </a:rPr>
                   <a:t>, regret bounds may still be derived for such a scenario (i.e. [6]).</a:t>
                 </a:r>
-                <a:endParaRPr lang="en-US" sz="3300" dirty="0" smtClean="0">
-                  <a:latin typeface="Tahoma" charset="0"/>
-                  <a:ea typeface="Tahoma" charset="0"/>
-                  <a:cs typeface="Tahoma" charset="0"/>
-                </a:endParaRPr>
               </a:p>
             </p:txBody>
           </p:sp>
         </mc:Choice>
-        <mc:Fallback>
+        <mc:Fallback xmlns="">
           <p:sp>
             <p:nvSpPr>
               <p:cNvPr id="182" name="TextBox 181"/>
@@ -16315,7 +16294,7 @@
             </p:nvSpPr>
             <p:spPr>
               <a:xfrm>
-                <a:off x="15365426" y="28216174"/>
+                <a:off x="15365426" y="27987574"/>
                 <a:ext cx="14354768" cy="2631490"/>
               </a:xfrm>
               <a:prstGeom prst="rect">
@@ -16324,7 +16303,7 @@
               <a:blipFill rotWithShape="0">
                 <a:blip r:embed="rId31"/>
                 <a:stretch>
-                  <a:fillRect l="-510" t="-3480" r="-1189" b="-6961"/>
+                  <a:fillRect l="-510" t="-3472" r="-1189" b="-6944"/>
                 </a:stretch>
               </a:blipFill>
             </p:spPr>
@@ -16351,7 +16330,7 @@
         </p:nvSpPr>
         <p:spPr>
           <a:xfrm>
-            <a:off x="15403769" y="30969134"/>
+            <a:off x="15403769" y="30740534"/>
             <a:ext cx="6045797" cy="646331"/>
           </a:xfrm>
           <a:prstGeom prst="rect">
@@ -16382,7 +16361,7 @@
       </p:sp>
       <p:pic>
         <p:nvPicPr>
-          <p:cNvPr id="3074" name="Picture 2" descr="http://latex2png.com/output/latex_e7e96698c234df1b5f38d10ccbe7cbeb.png"/>
+          <p:cNvPr id="3076" name="Picture 4" descr="http://latex2png.com/output/latex_fa77e4110d195eb92e9bba3d29253c8c.png"/>
           <p:cNvPicPr>
             <a:picLocks noChangeAspect="1" noChangeArrowheads="1"/>
           </p:cNvPicPr>
@@ -16403,27 +16382,20 @@
         </p:blipFill>
         <p:spPr bwMode="auto">
           <a:xfrm>
-            <a:off x="27909562" y="36738224"/>
-            <a:ext cx="1186507" cy="682847"/>
+            <a:off x="31153675" y="32717430"/>
+            <a:ext cx="978263" cy="682847"/>
           </a:xfrm>
           <a:prstGeom prst="rect">
             <a:avLst/>
           </a:prstGeom>
-          <a:noFill/>
-          <a:extLst>
-            <a:ext uri="{909E8E84-426E-40DD-AFC4-6F175D3DCCD1}">
-              <a14:hiddenFill xmlns:a14="http://schemas.microsoft.com/office/drawing/2010/main">
-                <a:solidFill>
-                  <a:srgbClr val="FFFFFF"/>
-                </a:solidFill>
-              </a14:hiddenFill>
-            </a:ext>
-          </a:extLst>
+          <a:solidFill>
+            <a:schemeClr val="bg1"/>
+          </a:solidFill>
         </p:spPr>
       </p:pic>
       <p:pic>
         <p:nvPicPr>
-          <p:cNvPr id="3076" name="Picture 4" descr="http://latex2png.com/output/latex_fa77e4110d195eb92e9bba3d29253c8c.png"/>
+          <p:cNvPr id="3080" name="Picture 8" descr="http://latex2png.com/output/latex_15e66655f133727fe010e086719fac69.png"/>
           <p:cNvPicPr>
             <a:picLocks noChangeAspect="1" noChangeArrowheads="1"/>
           </p:cNvPicPr>
@@ -16444,8 +16416,8 @@
         </p:blipFill>
         <p:spPr bwMode="auto">
           <a:xfrm>
-            <a:off x="24853683" y="36705019"/>
-            <a:ext cx="978263" cy="682847"/>
+            <a:off x="16875108" y="32756145"/>
+            <a:ext cx="10896600" cy="1209675"/>
           </a:xfrm>
           <a:prstGeom prst="rect">
             <a:avLst/>
@@ -16464,7 +16436,7 @@
       </p:pic>
       <p:pic>
         <p:nvPicPr>
-          <p:cNvPr id="3078" name="Picture 6" descr="http://latex2png.com/output/latex_d563ccaef36a980f2a1a88c2ad51c72c.png"/>
+          <p:cNvPr id="3082" name="Picture 10" descr="http://latex2png.com/output/latex_cee077a5f2ba958347a074783e141f19.png"/>
           <p:cNvPicPr>
             <a:picLocks noChangeAspect="1" noChangeArrowheads="1"/>
           </p:cNvPicPr>
@@ -16485,89 +16457,7 @@
         </p:blipFill>
         <p:spPr bwMode="auto">
           <a:xfrm>
-            <a:off x="21356026" y="36705019"/>
-            <a:ext cx="978263" cy="682847"/>
-          </a:xfrm>
-          <a:prstGeom prst="rect">
-            <a:avLst/>
-          </a:prstGeom>
-          <a:noFill/>
-          <a:extLst>
-            <a:ext uri="{909E8E84-426E-40DD-AFC4-6F175D3DCCD1}">
-              <a14:hiddenFill xmlns:a14="http://schemas.microsoft.com/office/drawing/2010/main">
-                <a:solidFill>
-                  <a:srgbClr val="FFFFFF"/>
-                </a:solidFill>
-              </a14:hiddenFill>
-            </a:ext>
-          </a:extLst>
-        </p:spPr>
-      </p:pic>
-      <p:pic>
-        <p:nvPicPr>
-          <p:cNvPr id="3080" name="Picture 8" descr="http://latex2png.com/output/latex_15e66655f133727fe010e086719fac69.png"/>
-          <p:cNvPicPr>
-            <a:picLocks noChangeAspect="1" noChangeArrowheads="1"/>
-          </p:cNvPicPr>
-          <p:nvPr/>
-        </p:nvPicPr>
-        <p:blipFill>
-          <a:blip r:embed="rId35">
-            <a:extLst>
-              <a:ext uri="{28A0092B-C50C-407E-A947-70E740481C1C}">
-                <a14:useLocalDpi xmlns:a14="http://schemas.microsoft.com/office/drawing/2010/main" val="0"/>
-              </a:ext>
-            </a:extLst>
-          </a:blip>
-          <a:srcRect/>
-          <a:stretch>
-            <a:fillRect/>
-          </a:stretch>
-        </p:blipFill>
-        <p:spPr bwMode="auto">
-          <a:xfrm>
-            <a:off x="16875108" y="32984745"/>
-            <a:ext cx="10896600" cy="1209675"/>
-          </a:xfrm>
-          <a:prstGeom prst="rect">
-            <a:avLst/>
-          </a:prstGeom>
-          <a:noFill/>
-          <a:extLst>
-            <a:ext uri="{909E8E84-426E-40DD-AFC4-6F175D3DCCD1}">
-              <a14:hiddenFill xmlns:a14="http://schemas.microsoft.com/office/drawing/2010/main">
-                <a:solidFill>
-                  <a:srgbClr val="FFFFFF"/>
-                </a:solidFill>
-              </a14:hiddenFill>
-            </a:ext>
-          </a:extLst>
-        </p:spPr>
-      </p:pic>
-      <p:pic>
-        <p:nvPicPr>
-          <p:cNvPr id="3082" name="Picture 10" descr="http://latex2png.com/output/latex_cee077a5f2ba958347a074783e141f19.png"/>
-          <p:cNvPicPr>
-            <a:picLocks noChangeAspect="1" noChangeArrowheads="1"/>
-          </p:cNvPicPr>
-          <p:nvPr/>
-        </p:nvPicPr>
-        <p:blipFill>
-          <a:blip r:embed="rId36">
-            <a:extLst>
-              <a:ext uri="{28A0092B-C50C-407E-A947-70E740481C1C}">
-                <a14:useLocalDpi xmlns:a14="http://schemas.microsoft.com/office/drawing/2010/main" val="0"/>
-              </a:ext>
-            </a:extLst>
-          </a:blip>
-          <a:srcRect/>
-          <a:stretch>
-            <a:fillRect/>
-          </a:stretch>
-        </p:blipFill>
-        <p:spPr bwMode="auto">
-          <a:xfrm>
-            <a:off x="16798908" y="31533563"/>
+            <a:off x="16798908" y="31304963"/>
             <a:ext cx="11049000" cy="1209675"/>
           </a:xfrm>
           <a:prstGeom prst="rect">
@@ -16593,8 +16483,8 @@
         </p:nvSpPr>
         <p:spPr>
           <a:xfrm>
-            <a:off x="15403769" y="34422721"/>
-            <a:ext cx="6045797" cy="646331"/>
+            <a:off x="15443280" y="34361252"/>
+            <a:ext cx="4591605" cy="584775"/>
           </a:xfrm>
           <a:prstGeom prst="rect">
             <a:avLst/>
@@ -16608,14 +16498,14 @@
           <a:lstStyle/>
           <a:p>
             <a:r>
-              <a:rPr lang="en-US" sz="3600" i="1" dirty="0" smtClean="0">
+              <a:rPr lang="en-US" sz="3200" i="1" dirty="0" smtClean="0">
                 <a:latin typeface="Tahoma" charset="0"/>
                 <a:ea typeface="Tahoma" charset="0"/>
                 <a:cs typeface="Tahoma" charset="0"/>
               </a:rPr>
               <a:t>True Causal Measure:</a:t>
             </a:r>
-            <a:endParaRPr lang="en-US" sz="3600" dirty="0">
+            <a:endParaRPr lang="en-US" sz="3200" dirty="0">
               <a:latin typeface="Times New Roman" panose="02020603050405020304" pitchFamily="18" charset="0"/>
               <a:cs typeface="Times New Roman" panose="02020603050405020304" pitchFamily="18" charset="0"/>
             </a:endParaRPr>
@@ -16630,8 +16520,8 @@
         </p:nvSpPr>
         <p:spPr>
           <a:xfrm>
-            <a:off x="15366280" y="37831330"/>
-            <a:ext cx="6045797" cy="646331"/>
+            <a:off x="15365426" y="38186502"/>
+            <a:ext cx="5393832" cy="584775"/>
           </a:xfrm>
           <a:prstGeom prst="rect">
             <a:avLst/>
@@ -16645,14 +16535,14 @@
           <a:lstStyle/>
           <a:p>
             <a:r>
-              <a:rPr lang="en-US" sz="3600" i="1" dirty="0" smtClean="0">
+              <a:rPr lang="en-US" sz="3200" i="1" dirty="0" smtClean="0">
                 <a:latin typeface="Tahoma" charset="0"/>
                 <a:ea typeface="Tahoma" charset="0"/>
                 <a:cs typeface="Tahoma" charset="0"/>
               </a:rPr>
               <a:t>Estimated Causal Measure:</a:t>
             </a:r>
-            <a:endParaRPr lang="en-US" sz="3600" dirty="0">
+            <a:endParaRPr lang="en-US" sz="3200" dirty="0">
               <a:latin typeface="Times New Roman" panose="02020603050405020304" pitchFamily="18" charset="0"/>
               <a:cs typeface="Times New Roman" panose="02020603050405020304" pitchFamily="18" charset="0"/>
             </a:endParaRPr>
@@ -16667,14 +16557,14 @@
         </p:nvSpPr>
         <p:spPr>
           <a:xfrm>
-            <a:off x="16148297" y="35325275"/>
-            <a:ext cx="2972395" cy="954107"/>
+            <a:off x="15966256" y="35224485"/>
+            <a:ext cx="2972395" cy="984885"/>
           </a:xfrm>
           <a:prstGeom prst="rect">
             <a:avLst/>
           </a:prstGeom>
           <a:noFill/>
-          <a:ln w="28575">
+          <a:ln w="38100">
             <a:solidFill>
               <a:schemeClr val="bg2">
                 <a:lumMod val="50000"/>
@@ -16690,14 +16580,14 @@
           <a:p>
             <a:pPr algn="ctr"/>
             <a:r>
-              <a:rPr lang="en-US" sz="2800" smtClean="0">
+              <a:rPr lang="en-US" sz="2900" dirty="0" smtClean="0">
                 <a:latin typeface="Tahoma" charset="0"/>
                 <a:ea typeface="Tahoma" charset="0"/>
                 <a:cs typeface="Tahoma" charset="0"/>
               </a:rPr>
-              <a:t>Model parameter change points</a:t>
-            </a:r>
-            <a:endParaRPr lang="en-US" sz="2800" dirty="0">
+              <a:t>Model parameter change point</a:t>
+            </a:r>
+            <a:endParaRPr lang="en-US" sz="2900" dirty="0">
               <a:latin typeface="Tahoma" charset="0"/>
               <a:ea typeface="Tahoma" charset="0"/>
               <a:cs typeface="Tahoma" charset="0"/>
@@ -16713,14 +16603,14 @@
         </p:nvSpPr>
         <p:spPr>
           <a:xfrm>
-            <a:off x="16148297" y="36542476"/>
-            <a:ext cx="2972395" cy="954107"/>
+            <a:off x="15966257" y="36447764"/>
+            <a:ext cx="2972395" cy="984885"/>
           </a:xfrm>
           <a:prstGeom prst="rect">
             <a:avLst/>
           </a:prstGeom>
           <a:noFill/>
-          <a:ln w="28575">
+          <a:ln w="38100">
             <a:solidFill>
               <a:srgbClr val="40FCFD"/>
             </a:solidFill>
@@ -16734,18 +16624,713 @@
           <a:p>
             <a:pPr algn="ctr"/>
             <a:r>
+              <a:rPr lang="en-US" sz="2900" dirty="0" smtClean="0">
+                <a:latin typeface="Tahoma" charset="0"/>
+                <a:ea typeface="Tahoma" charset="0"/>
+                <a:cs typeface="Tahoma" charset="0"/>
+              </a:rPr>
+              <a:t>Rare high causality events</a:t>
+            </a:r>
+            <a:endParaRPr lang="en-US" sz="2900" dirty="0">
+              <a:latin typeface="Tahoma" charset="0"/>
+              <a:ea typeface="Tahoma" charset="0"/>
+              <a:cs typeface="Tahoma" charset="0"/>
+            </a:endParaRPr>
+          </a:p>
+        </p:txBody>
+      </p:sp>
+      <p:sp>
+        <p:nvSpPr>
+          <p:cNvPr id="102" name="TextBox 101"/>
+          <p:cNvSpPr txBox="1"/>
+          <p:nvPr/>
+        </p:nvSpPr>
+        <p:spPr>
+          <a:xfrm>
+            <a:off x="15028929" y="38826009"/>
+            <a:ext cx="4262344" cy="3570208"/>
+          </a:xfrm>
+          <a:prstGeom prst="rect">
+            <a:avLst/>
+          </a:prstGeom>
+          <a:noFill/>
+        </p:spPr>
+        <p:txBody>
+          <a:bodyPr wrap="square" rtlCol="0">
+            <a:spAutoFit/>
+          </a:bodyPr>
+          <a:lstStyle/>
+          <a:p>
+            <a:pPr marL="91440" algn="r"/>
+            <a:r>
+              <a:rPr lang="en-US" sz="2800" dirty="0" smtClean="0">
+                <a:latin typeface="Tahoma" charset="0"/>
+                <a:ea typeface="Tahoma" charset="0"/>
+                <a:cs typeface="Tahoma" charset="0"/>
+              </a:rPr>
+              <a:t>The parameter-space is discretized and the parameters are estimated using a Bayesian updating scheme with uniform </a:t>
+            </a:r>
+            <a:r>
+              <a:rPr lang="en-US" sz="2900" dirty="0" smtClean="0">
+                <a:latin typeface="Tahoma" charset="0"/>
+                <a:ea typeface="Tahoma" charset="0"/>
+                <a:cs typeface="Tahoma" charset="0"/>
+              </a:rPr>
+              <a:t>prior and “shrinking towards the </a:t>
+            </a:r>
+            <a:r>
+              <a:rPr lang="en-US" sz="2900" smtClean="0">
+                <a:latin typeface="Tahoma" charset="0"/>
+                <a:ea typeface="Tahoma" charset="0"/>
+                <a:cs typeface="Tahoma" charset="0"/>
+              </a:rPr>
+              <a:t>prior” [6]</a:t>
+            </a:r>
+            <a:r>
               <a:rPr lang="en-US" sz="2800" smtClean="0">
                 <a:latin typeface="Tahoma" charset="0"/>
                 <a:ea typeface="Tahoma" charset="0"/>
                 <a:cs typeface="Tahoma" charset="0"/>
               </a:rPr>
-              <a:t>Rare high causality events</a:t>
-            </a:r>
-            <a:endParaRPr lang="en-US" sz="2800" dirty="0">
+              <a:t>.</a:t>
+            </a:r>
+            <a:endParaRPr lang="en-US" sz="2800" dirty="0" smtClean="0">
               <a:latin typeface="Tahoma" charset="0"/>
               <a:ea typeface="Tahoma" charset="0"/>
               <a:cs typeface="Tahoma" charset="0"/>
             </a:endParaRPr>
+          </a:p>
+        </p:txBody>
+      </p:sp>
+      <p:pic>
+        <p:nvPicPr>
+          <p:cNvPr id="15" name="Picture 14"/>
+          <p:cNvPicPr>
+            <a:picLocks noChangeAspect="1"/>
+          </p:cNvPicPr>
+          <p:nvPr/>
+        </p:nvPicPr>
+        <p:blipFill rotWithShape="1">
+          <a:blip r:embed="rId35">
+            <a:extLst>
+              <a:ext uri="{28A0092B-C50C-407E-A947-70E740481C1C}">
+                <a14:useLocalDpi xmlns:a14="http://schemas.microsoft.com/office/drawing/2010/main" val="0"/>
+              </a:ext>
+            </a:extLst>
+          </a:blip>
+          <a:srcRect l="4082" t="7741" r="7585" b="7259"/>
+          <a:stretch/>
+        </p:blipFill>
+        <p:spPr>
+          <a:xfrm>
+            <a:off x="25818618" y="38931142"/>
+            <a:ext cx="3636710" cy="3499476"/>
+          </a:xfrm>
+          <a:prstGeom prst="rect">
+            <a:avLst/>
+          </a:prstGeom>
+        </p:spPr>
+      </p:pic>
+      <p:pic>
+        <p:nvPicPr>
+          <p:cNvPr id="16" name="Picture 15"/>
+          <p:cNvPicPr>
+            <a:picLocks noChangeAspect="1"/>
+          </p:cNvPicPr>
+          <p:nvPr/>
+        </p:nvPicPr>
+        <p:blipFill rotWithShape="1">
+          <a:blip r:embed="rId36">
+            <a:extLst>
+              <a:ext uri="{28A0092B-C50C-407E-A947-70E740481C1C}">
+                <a14:useLocalDpi xmlns:a14="http://schemas.microsoft.com/office/drawing/2010/main" val="0"/>
+              </a:ext>
+            </a:extLst>
+          </a:blip>
+          <a:srcRect l="7481" t="6242" r="7642" b="7647"/>
+          <a:stretch/>
+        </p:blipFill>
+        <p:spPr>
+          <a:xfrm>
+            <a:off x="19541327" y="38868720"/>
+            <a:ext cx="6289906" cy="3545221"/>
+          </a:xfrm>
+          <a:prstGeom prst="rect">
+            <a:avLst/>
+          </a:prstGeom>
+        </p:spPr>
+      </p:pic>
+      <p:pic>
+        <p:nvPicPr>
+          <p:cNvPr id="18" name="Picture 17"/>
+          <p:cNvPicPr>
+            <a:picLocks noChangeAspect="1"/>
+          </p:cNvPicPr>
+          <p:nvPr/>
+        </p:nvPicPr>
+        <p:blipFill rotWithShape="1">
+          <a:blip r:embed="rId37">
+            <a:extLst>
+              <a:ext uri="{28A0092B-C50C-407E-A947-70E740481C1C}">
+                <a14:useLocalDpi xmlns:a14="http://schemas.microsoft.com/office/drawing/2010/main" val="0"/>
+              </a:ext>
+            </a:extLst>
+          </a:blip>
+          <a:srcRect l="4624" t="5925" r="5376" b="7408"/>
+          <a:stretch/>
+        </p:blipFill>
+        <p:spPr>
+          <a:xfrm>
+            <a:off x="25835132" y="34428220"/>
+            <a:ext cx="3705327" cy="3568094"/>
+          </a:xfrm>
+          <a:prstGeom prst="rect">
+            <a:avLst/>
+          </a:prstGeom>
+        </p:spPr>
+      </p:pic>
+      <p:pic>
+        <p:nvPicPr>
+          <p:cNvPr id="19" name="Picture 18"/>
+          <p:cNvPicPr>
+            <a:picLocks noChangeAspect="1"/>
+          </p:cNvPicPr>
+          <p:nvPr/>
+        </p:nvPicPr>
+        <p:blipFill rotWithShape="1">
+          <a:blip r:embed="rId38">
+            <a:extLst>
+              <a:ext uri="{28A0092B-C50C-407E-A947-70E740481C1C}">
+                <a14:useLocalDpi xmlns:a14="http://schemas.microsoft.com/office/drawing/2010/main" val="0"/>
+              </a:ext>
+            </a:extLst>
+          </a:blip>
+          <a:srcRect l="7201" t="6505" r="7613" b="7637"/>
+          <a:stretch/>
+        </p:blipFill>
+        <p:spPr>
+          <a:xfrm>
+            <a:off x="19502146" y="34437277"/>
+            <a:ext cx="6312781" cy="3534814"/>
+          </a:xfrm>
+          <a:prstGeom prst="rect">
+            <a:avLst/>
+          </a:prstGeom>
+        </p:spPr>
+      </p:pic>
+      <p:pic>
+        <p:nvPicPr>
+          <p:cNvPr id="3074" name="Picture 2" descr="http://latex2png.com/output/latex_e7e96698c234df1b5f38d10ccbe7cbeb.png"/>
+          <p:cNvPicPr>
+            <a:picLocks noChangeAspect="1" noChangeArrowheads="1"/>
+          </p:cNvPicPr>
+          <p:nvPr/>
+        </p:nvPicPr>
+        <p:blipFill>
+          <a:blip r:embed="rId39">
+            <a:extLst>
+              <a:ext uri="{28A0092B-C50C-407E-A947-70E740481C1C}">
+                <a14:useLocalDpi xmlns:a14="http://schemas.microsoft.com/office/drawing/2010/main" val="0"/>
+              </a:ext>
+            </a:extLst>
+          </a:blip>
+          <a:srcRect/>
+          <a:stretch>
+            <a:fillRect/>
+          </a:stretch>
+        </p:blipFill>
+        <p:spPr bwMode="auto">
+          <a:xfrm>
+            <a:off x="22959903" y="38143162"/>
+            <a:ext cx="1186507" cy="682847"/>
+          </a:xfrm>
+          <a:prstGeom prst="rect">
+            <a:avLst/>
+          </a:prstGeom>
+          <a:noFill/>
+          <a:extLst>
+            <a:ext uri="{909E8E84-426E-40DD-AFC4-6F175D3DCCD1}">
+              <a14:hiddenFill xmlns:a14="http://schemas.microsoft.com/office/drawing/2010/main">
+                <a:solidFill>
+                  <a:srgbClr val="FFFFFF"/>
+                </a:solidFill>
+              </a14:hiddenFill>
+            </a:ext>
+          </a:extLst>
+        </p:spPr>
+      </p:pic>
+      <p:pic>
+        <p:nvPicPr>
+          <p:cNvPr id="3078" name="Picture 6" descr="http://latex2png.com/output/latex_d563ccaef36a980f2a1a88c2ad51c72c.png"/>
+          <p:cNvPicPr>
+            <a:picLocks noChangeAspect="1" noChangeArrowheads="1"/>
+          </p:cNvPicPr>
+          <p:nvPr/>
+        </p:nvPicPr>
+        <p:blipFill>
+          <a:blip r:embed="rId40">
+            <a:extLst>
+              <a:ext uri="{28A0092B-C50C-407E-A947-70E740481C1C}">
+                <a14:useLocalDpi xmlns:a14="http://schemas.microsoft.com/office/drawing/2010/main" val="0"/>
+              </a:ext>
+            </a:extLst>
+          </a:blip>
+          <a:srcRect/>
+          <a:stretch>
+            <a:fillRect/>
+          </a:stretch>
+        </p:blipFill>
+        <p:spPr bwMode="auto">
+          <a:xfrm>
+            <a:off x="21494565" y="38154496"/>
+            <a:ext cx="978263" cy="682847"/>
+          </a:xfrm>
+          <a:prstGeom prst="rect">
+            <a:avLst/>
+          </a:prstGeom>
+          <a:noFill/>
+          <a:extLst>
+            <a:ext uri="{909E8E84-426E-40DD-AFC4-6F175D3DCCD1}">
+              <a14:hiddenFill xmlns:a14="http://schemas.microsoft.com/office/drawing/2010/main">
+                <a:solidFill>
+                  <a:srgbClr val="FFFFFF"/>
+                </a:solidFill>
+              </a14:hiddenFill>
+            </a:ext>
+          </a:extLst>
+        </p:spPr>
+      </p:pic>
+      <p:cxnSp>
+        <p:nvCxnSpPr>
+          <p:cNvPr id="112" name="Straight Connector 111"/>
+          <p:cNvCxnSpPr/>
+          <p:nvPr/>
+        </p:nvCxnSpPr>
+        <p:spPr>
+          <a:xfrm>
+            <a:off x="26803884" y="34610512"/>
+            <a:ext cx="0" cy="7608661"/>
+          </a:xfrm>
+          <a:prstGeom prst="line">
+            <a:avLst/>
+          </a:prstGeom>
+          <a:ln w="38100">
+            <a:solidFill>
+              <a:srgbClr val="A6A6A6">
+                <a:alpha val="34118"/>
+              </a:srgbClr>
+            </a:solidFill>
+            <a:prstDash val="sysDot"/>
+          </a:ln>
+        </p:spPr>
+        <p:style>
+          <a:lnRef idx="1">
+            <a:schemeClr val="accent1"/>
+          </a:lnRef>
+          <a:fillRef idx="0">
+            <a:schemeClr val="accent1"/>
+          </a:fillRef>
+          <a:effectRef idx="0">
+            <a:schemeClr val="accent1"/>
+          </a:effectRef>
+          <a:fontRef idx="minor">
+            <a:schemeClr val="tx1"/>
+          </a:fontRef>
+        </p:style>
+      </p:cxnSp>
+      <p:cxnSp>
+        <p:nvCxnSpPr>
+          <p:cNvPr id="117" name="Straight Connector 116"/>
+          <p:cNvCxnSpPr/>
+          <p:nvPr/>
+        </p:nvCxnSpPr>
+        <p:spPr>
+          <a:xfrm>
+            <a:off x="27336249" y="34610511"/>
+            <a:ext cx="0" cy="7608661"/>
+          </a:xfrm>
+          <a:prstGeom prst="line">
+            <a:avLst/>
+          </a:prstGeom>
+          <a:ln w="38100">
+            <a:solidFill>
+              <a:srgbClr val="A6A6A6">
+                <a:alpha val="34118"/>
+              </a:srgbClr>
+            </a:solidFill>
+            <a:prstDash val="sysDot"/>
+          </a:ln>
+        </p:spPr>
+        <p:style>
+          <a:lnRef idx="1">
+            <a:schemeClr val="accent1"/>
+          </a:lnRef>
+          <a:fillRef idx="0">
+            <a:schemeClr val="accent1"/>
+          </a:fillRef>
+          <a:effectRef idx="0">
+            <a:schemeClr val="accent1"/>
+          </a:effectRef>
+          <a:fontRef idx="minor">
+            <a:schemeClr val="tx1"/>
+          </a:fontRef>
+        </p:style>
+      </p:cxnSp>
+      <p:cxnSp>
+        <p:nvCxnSpPr>
+          <p:cNvPr id="125" name="Straight Connector 124"/>
+          <p:cNvCxnSpPr/>
+          <p:nvPr/>
+        </p:nvCxnSpPr>
+        <p:spPr>
+          <a:xfrm>
+            <a:off x="27708853" y="34581172"/>
+            <a:ext cx="0" cy="7608661"/>
+          </a:xfrm>
+          <a:prstGeom prst="line">
+            <a:avLst/>
+          </a:prstGeom>
+          <a:ln w="38100">
+            <a:solidFill>
+              <a:srgbClr val="A6A6A6">
+                <a:alpha val="34118"/>
+              </a:srgbClr>
+            </a:solidFill>
+            <a:prstDash val="sysDot"/>
+          </a:ln>
+        </p:spPr>
+        <p:style>
+          <a:lnRef idx="1">
+            <a:schemeClr val="accent1"/>
+          </a:lnRef>
+          <a:fillRef idx="0">
+            <a:schemeClr val="accent1"/>
+          </a:fillRef>
+          <a:effectRef idx="0">
+            <a:schemeClr val="accent1"/>
+          </a:effectRef>
+          <a:fontRef idx="minor">
+            <a:schemeClr val="tx1"/>
+          </a:fontRef>
+        </p:style>
+      </p:cxnSp>
+      <p:cxnSp>
+        <p:nvCxnSpPr>
+          <p:cNvPr id="126" name="Straight Connector 125"/>
+          <p:cNvCxnSpPr/>
+          <p:nvPr/>
+        </p:nvCxnSpPr>
+        <p:spPr>
+          <a:xfrm>
+            <a:off x="28074451" y="34572207"/>
+            <a:ext cx="0" cy="7608661"/>
+          </a:xfrm>
+          <a:prstGeom prst="line">
+            <a:avLst/>
+          </a:prstGeom>
+          <a:ln w="38100">
+            <a:solidFill>
+              <a:srgbClr val="A6A6A6">
+                <a:alpha val="34118"/>
+              </a:srgbClr>
+            </a:solidFill>
+            <a:prstDash val="sysDot"/>
+          </a:ln>
+        </p:spPr>
+        <p:style>
+          <a:lnRef idx="1">
+            <a:schemeClr val="accent1"/>
+          </a:lnRef>
+          <a:fillRef idx="0">
+            <a:schemeClr val="accent1"/>
+          </a:fillRef>
+          <a:effectRef idx="0">
+            <a:schemeClr val="accent1"/>
+          </a:effectRef>
+          <a:fontRef idx="minor">
+            <a:schemeClr val="tx1"/>
+          </a:fontRef>
+        </p:style>
+      </p:cxnSp>
+      <p:cxnSp>
+        <p:nvCxnSpPr>
+          <p:cNvPr id="127" name="Straight Connector 126"/>
+          <p:cNvCxnSpPr/>
+          <p:nvPr/>
+        </p:nvCxnSpPr>
+        <p:spPr>
+          <a:xfrm>
+            <a:off x="28278002" y="34567835"/>
+            <a:ext cx="0" cy="7608661"/>
+          </a:xfrm>
+          <a:prstGeom prst="line">
+            <a:avLst/>
+          </a:prstGeom>
+          <a:ln w="38100">
+            <a:solidFill>
+              <a:srgbClr val="A6A6A6">
+                <a:alpha val="34118"/>
+              </a:srgbClr>
+            </a:solidFill>
+            <a:prstDash val="sysDot"/>
+          </a:ln>
+        </p:spPr>
+        <p:style>
+          <a:lnRef idx="1">
+            <a:schemeClr val="accent1"/>
+          </a:lnRef>
+          <a:fillRef idx="0">
+            <a:schemeClr val="accent1"/>
+          </a:fillRef>
+          <a:effectRef idx="0">
+            <a:schemeClr val="accent1"/>
+          </a:effectRef>
+          <a:fontRef idx="minor">
+            <a:schemeClr val="tx1"/>
+          </a:fontRef>
+        </p:style>
+      </p:cxnSp>
+      <p:cxnSp>
+        <p:nvCxnSpPr>
+          <p:cNvPr id="128" name="Straight Connector 127"/>
+          <p:cNvCxnSpPr/>
+          <p:nvPr/>
+        </p:nvCxnSpPr>
+        <p:spPr>
+          <a:xfrm>
+            <a:off x="28667857" y="34581173"/>
+            <a:ext cx="0" cy="7608661"/>
+          </a:xfrm>
+          <a:prstGeom prst="line">
+            <a:avLst/>
+          </a:prstGeom>
+          <a:ln w="38100">
+            <a:solidFill>
+              <a:srgbClr val="A6A6A6">
+                <a:alpha val="34118"/>
+              </a:srgbClr>
+            </a:solidFill>
+            <a:prstDash val="sysDot"/>
+          </a:ln>
+        </p:spPr>
+        <p:style>
+          <a:lnRef idx="1">
+            <a:schemeClr val="accent1"/>
+          </a:lnRef>
+          <a:fillRef idx="0">
+            <a:schemeClr val="accent1"/>
+          </a:fillRef>
+          <a:effectRef idx="0">
+            <a:schemeClr val="accent1"/>
+          </a:effectRef>
+          <a:fontRef idx="minor">
+            <a:schemeClr val="tx1"/>
+          </a:fontRef>
+        </p:style>
+      </p:cxnSp>
+      <p:cxnSp>
+        <p:nvCxnSpPr>
+          <p:cNvPr id="129" name="Straight Connector 128"/>
+          <p:cNvCxnSpPr/>
+          <p:nvPr/>
+        </p:nvCxnSpPr>
+        <p:spPr>
+          <a:xfrm>
+            <a:off x="29142986" y="34572208"/>
+            <a:ext cx="0" cy="7608661"/>
+          </a:xfrm>
+          <a:prstGeom prst="line">
+            <a:avLst/>
+          </a:prstGeom>
+          <a:ln w="38100">
+            <a:solidFill>
+              <a:srgbClr val="A6A6A6">
+                <a:alpha val="34118"/>
+              </a:srgbClr>
+            </a:solidFill>
+            <a:prstDash val="sysDot"/>
+          </a:ln>
+        </p:spPr>
+        <p:style>
+          <a:lnRef idx="1">
+            <a:schemeClr val="accent1"/>
+          </a:lnRef>
+          <a:fillRef idx="0">
+            <a:schemeClr val="accent1"/>
+          </a:fillRef>
+          <a:effectRef idx="0">
+            <a:schemeClr val="accent1"/>
+          </a:effectRef>
+          <a:fontRef idx="minor">
+            <a:schemeClr val="tx1"/>
+          </a:fontRef>
+        </p:style>
+      </p:cxnSp>
+      <p:cxnSp>
+        <p:nvCxnSpPr>
+          <p:cNvPr id="130" name="Straight Connector 129"/>
+          <p:cNvCxnSpPr/>
+          <p:nvPr/>
+        </p:nvCxnSpPr>
+        <p:spPr>
+          <a:xfrm>
+            <a:off x="22762269" y="34610510"/>
+            <a:ext cx="0" cy="7608661"/>
+          </a:xfrm>
+          <a:prstGeom prst="line">
+            <a:avLst/>
+          </a:prstGeom>
+          <a:ln w="38100">
+            <a:solidFill>
+              <a:srgbClr val="FD007E">
+                <a:alpha val="34118"/>
+              </a:srgbClr>
+            </a:solidFill>
+            <a:prstDash val="dash"/>
+          </a:ln>
+        </p:spPr>
+        <p:style>
+          <a:lnRef idx="1">
+            <a:schemeClr val="accent1"/>
+          </a:lnRef>
+          <a:fillRef idx="0">
+            <a:schemeClr val="accent1"/>
+          </a:fillRef>
+          <a:effectRef idx="0">
+            <a:schemeClr val="accent1"/>
+          </a:effectRef>
+          <a:fontRef idx="minor">
+            <a:schemeClr val="tx1"/>
+          </a:fontRef>
+        </p:style>
+      </p:cxnSp>
+      <p:sp>
+        <p:nvSpPr>
+          <p:cNvPr id="22" name="Rectangle 21"/>
+          <p:cNvSpPr/>
+          <p:nvPr/>
+        </p:nvSpPr>
+        <p:spPr>
+          <a:xfrm>
+            <a:off x="22277350" y="36998031"/>
+            <a:ext cx="322972" cy="773723"/>
+          </a:xfrm>
+          <a:prstGeom prst="rect">
+            <a:avLst/>
+          </a:prstGeom>
+          <a:noFill/>
+        </p:spPr>
+        <p:style>
+          <a:lnRef idx="2">
+            <a:schemeClr val="accent1">
+              <a:shade val="50000"/>
+            </a:schemeClr>
+          </a:lnRef>
+          <a:fillRef idx="1">
+            <a:schemeClr val="accent1"/>
+          </a:fillRef>
+          <a:effectRef idx="0">
+            <a:schemeClr val="accent1"/>
+          </a:effectRef>
+          <a:fontRef idx="minor">
+            <a:schemeClr val="lt1"/>
+          </a:fontRef>
+        </p:style>
+        <p:txBody>
+          <a:bodyPr rtlCol="0" anchor="ctr"/>
+          <a:lstStyle/>
+          <a:p>
+            <a:pPr algn="ctr"/>
+            <a:endParaRPr lang="en-US"/>
+          </a:p>
+        </p:txBody>
+      </p:sp>
+      <p:sp>
+        <p:nvSpPr>
+          <p:cNvPr id="131" name="Rectangle 130"/>
+          <p:cNvSpPr/>
+          <p:nvPr/>
+        </p:nvSpPr>
+        <p:spPr>
+          <a:xfrm>
+            <a:off x="22277350" y="41437540"/>
+            <a:ext cx="322972" cy="773723"/>
+          </a:xfrm>
+          <a:prstGeom prst="rect">
+            <a:avLst/>
+          </a:prstGeom>
+          <a:noFill/>
+        </p:spPr>
+        <p:style>
+          <a:lnRef idx="2">
+            <a:schemeClr val="accent1">
+              <a:shade val="50000"/>
+            </a:schemeClr>
+          </a:lnRef>
+          <a:fillRef idx="1">
+            <a:schemeClr val="accent1"/>
+          </a:fillRef>
+          <a:effectRef idx="0">
+            <a:schemeClr val="accent1"/>
+          </a:effectRef>
+          <a:fontRef idx="minor">
+            <a:schemeClr val="lt1"/>
+          </a:fontRef>
+        </p:style>
+        <p:txBody>
+          <a:bodyPr rtlCol="0" anchor="ctr"/>
+          <a:lstStyle/>
+          <a:p>
+            <a:pPr algn="ctr"/>
+            <a:endParaRPr lang="en-US"/>
+          </a:p>
+        </p:txBody>
+      </p:sp>
+      <p:sp>
+        <p:nvSpPr>
+          <p:cNvPr id="26" name="Rectangle 25"/>
+          <p:cNvSpPr/>
+          <p:nvPr/>
+        </p:nvSpPr>
+        <p:spPr>
+          <a:xfrm>
+            <a:off x="22883446" y="34653415"/>
+            <a:ext cx="2743200" cy="211016"/>
+          </a:xfrm>
+          <a:prstGeom prst="rect">
+            <a:avLst/>
+          </a:prstGeom>
+          <a:noFill/>
+          <a:ln w="38100">
+            <a:solidFill>
+              <a:srgbClr val="40FCFD">
+                <a:alpha val="30980"/>
+              </a:srgbClr>
+            </a:solidFill>
+          </a:ln>
+        </p:spPr>
+        <p:style>
+          <a:lnRef idx="2">
+            <a:schemeClr val="accent1">
+              <a:shade val="50000"/>
+            </a:schemeClr>
+          </a:lnRef>
+          <a:fillRef idx="1">
+            <a:schemeClr val="accent1"/>
+          </a:fillRef>
+          <a:effectRef idx="0">
+            <a:schemeClr val="accent1"/>
+          </a:effectRef>
+          <a:fontRef idx="minor">
+            <a:schemeClr val="lt1"/>
+          </a:fontRef>
+        </p:style>
+        <p:txBody>
+          <a:bodyPr rtlCol="0" anchor="ctr"/>
+          <a:lstStyle/>
+          <a:p>
+            <a:pPr algn="ctr"/>
+            <a:endParaRPr lang="en-US"/>
           </a:p>
         </p:txBody>
       </p:sp>
